--- a/presentation/聊一聊SpringMVC原理？/（一）Web基础.pptx
+++ b/presentation/聊一聊SpringMVC原理？/（一）Web基础.pptx
@@ -5,15 +5,16 @@
     <p:sldMasterId id="2147483648" r:id="rId1"/>
   </p:sldMasterIdLst>
   <p:notesMasterIdLst>
-    <p:notesMasterId r:id="rId8"/>
+    <p:notesMasterId r:id="rId9"/>
   </p:notesMasterIdLst>
   <p:sldIdLst>
     <p:sldId id="256" r:id="rId2"/>
-    <p:sldId id="286" r:id="rId3"/>
-    <p:sldId id="287" r:id="rId4"/>
-    <p:sldId id="288" r:id="rId5"/>
-    <p:sldId id="289" r:id="rId6"/>
-    <p:sldId id="290" r:id="rId7"/>
+    <p:sldId id="292" r:id="rId3"/>
+    <p:sldId id="286" r:id="rId4"/>
+    <p:sldId id="293" r:id="rId5"/>
+    <p:sldId id="295" r:id="rId6"/>
+    <p:sldId id="296" r:id="rId7"/>
+    <p:sldId id="294" r:id="rId8"/>
   </p:sldIdLst>
   <p:sldSz cx="9144000" cy="5143500" type="screen16x9"/>
   <p:notesSz cx="6858000" cy="9144000"/>
@@ -545,7 +546,7 @@
           <a:p>
             <a:fld id="{A6837353-30EB-4A48-80EB-173D804AEFBD}" type="slidenum">
               <a:rPr lang="zh-CN" altLang="en-US" smtClean="0"/>
-              <a:t>2</a:t>
+              <a:t>3</a:t>
             </a:fld>
             <a:endParaRPr lang="zh-CN" altLang="en-US"/>
           </a:p>
@@ -629,7 +630,7 @@
           <a:p>
             <a:fld id="{A6837353-30EB-4A48-80EB-173D804AEFBD}" type="slidenum">
               <a:rPr lang="zh-CN" altLang="en-US" smtClean="0"/>
-              <a:t>3</a:t>
+              <a:t>4</a:t>
             </a:fld>
             <a:endParaRPr lang="zh-CN" altLang="en-US"/>
           </a:p>
@@ -638,7 +639,7 @@
     </p:spTree>
     <p:extLst>
       <p:ext uri="{BB962C8B-B14F-4D97-AF65-F5344CB8AC3E}">
-        <p14:creationId xmlns:p14="http://schemas.microsoft.com/office/powerpoint/2010/main" val="2951048546"/>
+        <p14:creationId xmlns:p14="http://schemas.microsoft.com/office/powerpoint/2010/main" val="1038225711"/>
       </p:ext>
     </p:extLst>
   </p:cSld>
@@ -713,7 +714,7 @@
           <a:p>
             <a:fld id="{A6837353-30EB-4A48-80EB-173D804AEFBD}" type="slidenum">
               <a:rPr lang="zh-CN" altLang="en-US" smtClean="0"/>
-              <a:t>4</a:t>
+              <a:t>5</a:t>
             </a:fld>
             <a:endParaRPr lang="zh-CN" altLang="en-US"/>
           </a:p>
@@ -722,7 +723,7 @@
     </p:spTree>
     <p:extLst>
       <p:ext uri="{BB962C8B-B14F-4D97-AF65-F5344CB8AC3E}">
-        <p14:creationId xmlns:p14="http://schemas.microsoft.com/office/powerpoint/2010/main" val="3647027088"/>
+        <p14:creationId xmlns:p14="http://schemas.microsoft.com/office/powerpoint/2010/main" val="2747433753"/>
       </p:ext>
     </p:extLst>
   </p:cSld>
@@ -797,7 +798,7 @@
           <a:p>
             <a:fld id="{A6837353-30EB-4A48-80EB-173D804AEFBD}" type="slidenum">
               <a:rPr lang="zh-CN" altLang="en-US" smtClean="0"/>
-              <a:t>5</a:t>
+              <a:t>6</a:t>
             </a:fld>
             <a:endParaRPr lang="zh-CN" altLang="en-US"/>
           </a:p>
@@ -806,7 +807,7 @@
     </p:spTree>
     <p:extLst>
       <p:ext uri="{BB962C8B-B14F-4D97-AF65-F5344CB8AC3E}">
-        <p14:creationId xmlns:p14="http://schemas.microsoft.com/office/powerpoint/2010/main" val="3841434129"/>
+        <p14:creationId xmlns:p14="http://schemas.microsoft.com/office/powerpoint/2010/main" val="57122043"/>
       </p:ext>
     </p:extLst>
   </p:cSld>
@@ -881,7 +882,7 @@
           <a:p>
             <a:fld id="{A6837353-30EB-4A48-80EB-173D804AEFBD}" type="slidenum">
               <a:rPr lang="zh-CN" altLang="en-US" smtClean="0"/>
-              <a:t>6</a:t>
+              <a:t>7</a:t>
             </a:fld>
             <a:endParaRPr lang="zh-CN" altLang="en-US"/>
           </a:p>
@@ -890,7 +891,7 @@
     </p:spTree>
     <p:extLst>
       <p:ext uri="{BB962C8B-B14F-4D97-AF65-F5344CB8AC3E}">
-        <p14:creationId xmlns:p14="http://schemas.microsoft.com/office/powerpoint/2010/main" val="203862116"/>
+        <p14:creationId xmlns:p14="http://schemas.microsoft.com/office/powerpoint/2010/main" val="628343976"/>
       </p:ext>
     </p:extLst>
   </p:cSld>
@@ -3235,6 +3236,562 @@
           <a:chExt cx="0" cy="0"/>
         </a:xfrm>
       </p:grpSpPr>
+      <p:grpSp>
+        <p:nvGrpSpPr>
+          <p:cNvPr id="21" name="组合 20"/>
+          <p:cNvGrpSpPr/>
+          <p:nvPr/>
+        </p:nvGrpSpPr>
+        <p:grpSpPr>
+          <a:xfrm>
+            <a:off x="3294112" y="1125349"/>
+            <a:ext cx="2555776" cy="47429"/>
+            <a:chOff x="2190216" y="0"/>
+            <a:chExt cx="4752528" cy="108012"/>
+          </a:xfrm>
+        </p:grpSpPr>
+        <p:sp>
+          <p:nvSpPr>
+            <p:cNvPr id="4" name="矩形 3"/>
+            <p:cNvSpPr/>
+            <p:nvPr/>
+          </p:nvSpPr>
+          <p:spPr>
+            <a:xfrm>
+              <a:off x="2190216" y="0"/>
+              <a:ext cx="1188132" cy="108012"/>
+            </a:xfrm>
+            <a:prstGeom prst="rect">
+              <a:avLst/>
+            </a:prstGeom>
+            <a:solidFill>
+              <a:schemeClr val="accent1"/>
+            </a:solidFill>
+            <a:ln>
+              <a:noFill/>
+            </a:ln>
+          </p:spPr>
+          <p:style>
+            <a:lnRef idx="2">
+              <a:schemeClr val="accent1">
+                <a:shade val="50000"/>
+              </a:schemeClr>
+            </a:lnRef>
+            <a:fillRef idx="1">
+              <a:schemeClr val="accent1"/>
+            </a:fillRef>
+            <a:effectRef idx="0">
+              <a:schemeClr val="accent1"/>
+            </a:effectRef>
+            <a:fontRef idx="minor">
+              <a:schemeClr val="lt1"/>
+            </a:fontRef>
+          </p:style>
+          <p:txBody>
+            <a:bodyPr rtlCol="0" anchor="ctr"/>
+            <a:lstStyle/>
+            <a:p>
+              <a:pPr algn="ctr"/>
+              <a:endParaRPr lang="zh-CN" altLang="en-US"/>
+            </a:p>
+          </p:txBody>
+        </p:sp>
+        <p:sp>
+          <p:nvSpPr>
+            <p:cNvPr id="5" name="矩形 4"/>
+            <p:cNvSpPr/>
+            <p:nvPr/>
+          </p:nvSpPr>
+          <p:spPr>
+            <a:xfrm>
+              <a:off x="3378348" y="0"/>
+              <a:ext cx="1188132" cy="108012"/>
+            </a:xfrm>
+            <a:prstGeom prst="rect">
+              <a:avLst/>
+            </a:prstGeom>
+            <a:solidFill>
+              <a:schemeClr val="accent2"/>
+            </a:solidFill>
+            <a:ln>
+              <a:noFill/>
+            </a:ln>
+          </p:spPr>
+          <p:style>
+            <a:lnRef idx="2">
+              <a:schemeClr val="accent1">
+                <a:shade val="50000"/>
+              </a:schemeClr>
+            </a:lnRef>
+            <a:fillRef idx="1">
+              <a:schemeClr val="accent1"/>
+            </a:fillRef>
+            <a:effectRef idx="0">
+              <a:schemeClr val="accent1"/>
+            </a:effectRef>
+            <a:fontRef idx="minor">
+              <a:schemeClr val="lt1"/>
+            </a:fontRef>
+          </p:style>
+          <p:txBody>
+            <a:bodyPr rtlCol="0" anchor="ctr"/>
+            <a:lstStyle/>
+            <a:p>
+              <a:pPr algn="ctr"/>
+              <a:endParaRPr lang="zh-CN" altLang="en-US"/>
+            </a:p>
+          </p:txBody>
+        </p:sp>
+        <p:sp>
+          <p:nvSpPr>
+            <p:cNvPr id="6" name="矩形 5"/>
+            <p:cNvSpPr/>
+            <p:nvPr/>
+          </p:nvSpPr>
+          <p:spPr>
+            <a:xfrm>
+              <a:off x="4566480" y="0"/>
+              <a:ext cx="1188132" cy="108012"/>
+            </a:xfrm>
+            <a:prstGeom prst="rect">
+              <a:avLst/>
+            </a:prstGeom>
+            <a:solidFill>
+              <a:schemeClr val="accent3"/>
+            </a:solidFill>
+            <a:ln>
+              <a:noFill/>
+            </a:ln>
+          </p:spPr>
+          <p:style>
+            <a:lnRef idx="2">
+              <a:schemeClr val="accent1">
+                <a:shade val="50000"/>
+              </a:schemeClr>
+            </a:lnRef>
+            <a:fillRef idx="1">
+              <a:schemeClr val="accent1"/>
+            </a:fillRef>
+            <a:effectRef idx="0">
+              <a:schemeClr val="accent1"/>
+            </a:effectRef>
+            <a:fontRef idx="minor">
+              <a:schemeClr val="lt1"/>
+            </a:fontRef>
+          </p:style>
+          <p:txBody>
+            <a:bodyPr rtlCol="0" anchor="ctr"/>
+            <a:lstStyle/>
+            <a:p>
+              <a:pPr algn="ctr"/>
+              <a:endParaRPr lang="zh-CN" altLang="en-US"/>
+            </a:p>
+          </p:txBody>
+        </p:sp>
+        <p:sp>
+          <p:nvSpPr>
+            <p:cNvPr id="7" name="矩形 6"/>
+            <p:cNvSpPr/>
+            <p:nvPr/>
+          </p:nvSpPr>
+          <p:spPr>
+            <a:xfrm>
+              <a:off x="5754612" y="0"/>
+              <a:ext cx="1188132" cy="108012"/>
+            </a:xfrm>
+            <a:prstGeom prst="rect">
+              <a:avLst/>
+            </a:prstGeom>
+            <a:solidFill>
+              <a:schemeClr val="accent4"/>
+            </a:solidFill>
+            <a:ln>
+              <a:noFill/>
+            </a:ln>
+          </p:spPr>
+          <p:style>
+            <a:lnRef idx="2">
+              <a:schemeClr val="accent1">
+                <a:shade val="50000"/>
+              </a:schemeClr>
+            </a:lnRef>
+            <a:fillRef idx="1">
+              <a:schemeClr val="accent1"/>
+            </a:fillRef>
+            <a:effectRef idx="0">
+              <a:schemeClr val="accent1"/>
+            </a:effectRef>
+            <a:fontRef idx="minor">
+              <a:schemeClr val="lt1"/>
+            </a:fontRef>
+          </p:style>
+          <p:txBody>
+            <a:bodyPr rtlCol="0" anchor="ctr"/>
+            <a:lstStyle/>
+            <a:p>
+              <a:pPr algn="ctr"/>
+              <a:endParaRPr lang="zh-CN" altLang="en-US"/>
+            </a:p>
+          </p:txBody>
+        </p:sp>
+      </p:grpSp>
+      <p:sp>
+        <p:nvSpPr>
+          <p:cNvPr id="36" name="TextBox 35"/>
+          <p:cNvSpPr txBox="1"/>
+          <p:nvPr/>
+        </p:nvSpPr>
+        <p:spPr>
+          <a:xfrm>
+            <a:off x="3832860" y="313244"/>
+            <a:ext cx="1478280" cy="769441"/>
+          </a:xfrm>
+          <a:prstGeom prst="rect">
+            <a:avLst/>
+          </a:prstGeom>
+          <a:noFill/>
+        </p:spPr>
+        <p:txBody>
+          <a:bodyPr wrap="square" rtlCol="0">
+            <a:spAutoFit/>
+          </a:bodyPr>
+          <a:lstStyle/>
+          <a:p>
+            <a:pPr algn="ctr"/>
+            <a:r>
+              <a:rPr lang="zh-CN" altLang="en-US" sz="2800" b="1" dirty="0">
+                <a:ln w="6350">
+                  <a:noFill/>
+                </a:ln>
+                <a:solidFill>
+                  <a:schemeClr val="accent1"/>
+                </a:solidFill>
+                <a:latin typeface="Impact" pitchFamily="34" charset="0"/>
+                <a:ea typeface="微软雅黑" pitchFamily="34" charset="-122"/>
+              </a:rPr>
+              <a:t>目  录</a:t>
+            </a:r>
+            <a:endParaRPr lang="en-US" altLang="zh-CN" sz="2800" b="1" dirty="0">
+              <a:ln w="6350">
+                <a:noFill/>
+              </a:ln>
+              <a:solidFill>
+                <a:schemeClr val="accent1"/>
+              </a:solidFill>
+              <a:latin typeface="Impact" pitchFamily="34" charset="0"/>
+              <a:ea typeface="微软雅黑" pitchFamily="34" charset="-122"/>
+            </a:endParaRPr>
+          </a:p>
+          <a:p>
+            <a:pPr algn="ctr"/>
+            <a:r>
+              <a:rPr lang="en-US" altLang="zh-CN" sz="1600" dirty="0">
+                <a:ln w="6350">
+                  <a:noFill/>
+                </a:ln>
+                <a:solidFill>
+                  <a:schemeClr val="tx1">
+                    <a:lumMod val="50000"/>
+                    <a:lumOff val="50000"/>
+                  </a:schemeClr>
+                </a:solidFill>
+                <a:latin typeface="Arial" pitchFamily="34" charset="0"/>
+                <a:ea typeface="微软雅黑" pitchFamily="34" charset="-122"/>
+                <a:cs typeface="Arial" pitchFamily="34" charset="0"/>
+              </a:rPr>
+              <a:t>CONTENTS</a:t>
+            </a:r>
+            <a:endParaRPr lang="zh-CN" altLang="en-US" sz="1600" dirty="0">
+              <a:ln w="6350">
+                <a:noFill/>
+              </a:ln>
+              <a:solidFill>
+                <a:schemeClr val="tx1">
+                  <a:lumMod val="50000"/>
+                  <a:lumOff val="50000"/>
+                </a:schemeClr>
+              </a:solidFill>
+              <a:latin typeface="Arial" pitchFamily="34" charset="0"/>
+              <a:ea typeface="微软雅黑" pitchFamily="34" charset="-122"/>
+              <a:cs typeface="Arial" pitchFamily="34" charset="0"/>
+            </a:endParaRPr>
+          </a:p>
+        </p:txBody>
+      </p:sp>
+      <p:sp>
+        <p:nvSpPr>
+          <p:cNvPr id="65" name="矩形 64"/>
+          <p:cNvSpPr/>
+          <p:nvPr/>
+        </p:nvSpPr>
+        <p:spPr>
+          <a:xfrm>
+            <a:off x="3324361" y="1707654"/>
+            <a:ext cx="2069093" cy="461665"/>
+          </a:xfrm>
+          <a:prstGeom prst="rect">
+            <a:avLst/>
+          </a:prstGeom>
+        </p:spPr>
+        <p:txBody>
+          <a:bodyPr wrap="none">
+            <a:spAutoFit/>
+          </a:bodyPr>
+          <a:lstStyle/>
+          <a:p>
+            <a:pPr algn="ctr"/>
+            <a:r>
+              <a:rPr lang="en-US" altLang="zh-CN" sz="2400" b="1" dirty="0">
+                <a:ln w="6350">
+                  <a:noFill/>
+                </a:ln>
+                <a:solidFill>
+                  <a:schemeClr val="bg1">
+                    <a:lumMod val="50000"/>
+                  </a:schemeClr>
+                </a:solidFill>
+                <a:latin typeface="微软雅黑" panose="020B0503020204020204" pitchFamily="34" charset="-122"/>
+                <a:ea typeface="微软雅黑" panose="020B0503020204020204" pitchFamily="34" charset="-122"/>
+              </a:rPr>
+              <a:t>01  Web</a:t>
+            </a:r>
+            <a:r>
+              <a:rPr lang="zh-CN" altLang="en-US" sz="2400" b="1" dirty="0">
+                <a:ln w="6350">
+                  <a:noFill/>
+                </a:ln>
+                <a:solidFill>
+                  <a:schemeClr val="bg1">
+                    <a:lumMod val="50000"/>
+                  </a:schemeClr>
+                </a:solidFill>
+                <a:latin typeface="微软雅黑" panose="020B0503020204020204" pitchFamily="34" charset="-122"/>
+                <a:ea typeface="微软雅黑" panose="020B0503020204020204" pitchFamily="34" charset="-122"/>
+              </a:rPr>
+              <a:t>基础</a:t>
+            </a:r>
+          </a:p>
+        </p:txBody>
+      </p:sp>
+      <p:sp>
+        <p:nvSpPr>
+          <p:cNvPr id="38" name="矩形 37">
+            <a:extLst>
+              <a:ext uri="{FF2B5EF4-FFF2-40B4-BE49-F238E27FC236}">
+                <a16:creationId xmlns:a16="http://schemas.microsoft.com/office/drawing/2014/main" id="{925EBF20-3C2F-4D8F-9A19-76DB26BC8344}"/>
+              </a:ext>
+            </a:extLst>
+          </p:cNvPr>
+          <p:cNvSpPr/>
+          <p:nvPr/>
+        </p:nvSpPr>
+        <p:spPr>
+          <a:xfrm>
+            <a:off x="3324361" y="2592946"/>
+            <a:ext cx="4157806" cy="461665"/>
+          </a:xfrm>
+          <a:prstGeom prst="rect">
+            <a:avLst/>
+          </a:prstGeom>
+        </p:spPr>
+        <p:txBody>
+          <a:bodyPr wrap="none">
+            <a:spAutoFit/>
+          </a:bodyPr>
+          <a:lstStyle/>
+          <a:p>
+            <a:pPr algn="ctr"/>
+            <a:r>
+              <a:rPr lang="en-US" altLang="zh-CN" sz="2400" b="1" dirty="0">
+                <a:ln w="6350">
+                  <a:noFill/>
+                </a:ln>
+                <a:solidFill>
+                  <a:schemeClr val="bg1">
+                    <a:lumMod val="50000"/>
+                  </a:schemeClr>
+                </a:solidFill>
+                <a:latin typeface="微软雅黑" panose="020B0503020204020204" pitchFamily="34" charset="-122"/>
+                <a:ea typeface="微软雅黑" panose="020B0503020204020204" pitchFamily="34" charset="-122"/>
+              </a:rPr>
+              <a:t>02  </a:t>
+            </a:r>
+            <a:r>
+              <a:rPr lang="zh-CN" altLang="en-US" sz="2400" b="1" dirty="0">
+                <a:ln w="6350">
+                  <a:noFill/>
+                </a:ln>
+                <a:solidFill>
+                  <a:schemeClr val="bg1">
+                    <a:lumMod val="50000"/>
+                  </a:schemeClr>
+                </a:solidFill>
+                <a:latin typeface="微软雅黑" panose="020B0503020204020204" pitchFamily="34" charset="-122"/>
+                <a:ea typeface="微软雅黑" panose="020B0503020204020204" pitchFamily="34" charset="-122"/>
+              </a:rPr>
+              <a:t>传统</a:t>
+            </a:r>
+            <a:r>
+              <a:rPr lang="en-US" altLang="zh-CN" sz="2400" b="1" dirty="0">
+                <a:ln w="6350">
+                  <a:noFill/>
+                </a:ln>
+                <a:solidFill>
+                  <a:schemeClr val="bg1">
+                    <a:lumMod val="50000"/>
+                  </a:schemeClr>
+                </a:solidFill>
+                <a:latin typeface="微软雅黑" panose="020B0503020204020204" pitchFamily="34" charset="-122"/>
+                <a:ea typeface="微软雅黑" panose="020B0503020204020204" pitchFamily="34" charset="-122"/>
+              </a:rPr>
+              <a:t>MVC</a:t>
+            </a:r>
+            <a:r>
+              <a:rPr lang="zh-CN" altLang="en-US" sz="2400" b="1" dirty="0">
+                <a:ln w="6350">
+                  <a:noFill/>
+                </a:ln>
+                <a:solidFill>
+                  <a:schemeClr val="bg1">
+                    <a:lumMod val="50000"/>
+                  </a:schemeClr>
+                </a:solidFill>
+                <a:latin typeface="微软雅黑" panose="020B0503020204020204" pitchFamily="34" charset="-122"/>
+                <a:ea typeface="微软雅黑" panose="020B0503020204020204" pitchFamily="34" charset="-122"/>
+              </a:rPr>
+              <a:t>与</a:t>
+            </a:r>
+            <a:r>
+              <a:rPr lang="en-US" altLang="zh-CN" sz="2400" b="1" dirty="0" err="1">
+                <a:ln w="6350">
+                  <a:noFill/>
+                </a:ln>
+                <a:solidFill>
+                  <a:schemeClr val="bg1">
+                    <a:lumMod val="50000"/>
+                  </a:schemeClr>
+                </a:solidFill>
+                <a:latin typeface="微软雅黑" panose="020B0503020204020204" pitchFamily="34" charset="-122"/>
+                <a:ea typeface="微软雅黑" panose="020B0503020204020204" pitchFamily="34" charset="-122"/>
+              </a:rPr>
+              <a:t>SpringMVC</a:t>
+            </a:r>
+            <a:endParaRPr lang="zh-CN" altLang="en-US" sz="2400" b="1" dirty="0">
+              <a:ln w="6350">
+                <a:noFill/>
+              </a:ln>
+              <a:solidFill>
+                <a:schemeClr val="bg1">
+                  <a:lumMod val="50000"/>
+                </a:schemeClr>
+              </a:solidFill>
+              <a:latin typeface="微软雅黑" panose="020B0503020204020204" pitchFamily="34" charset="-122"/>
+              <a:ea typeface="微软雅黑" panose="020B0503020204020204" pitchFamily="34" charset="-122"/>
+            </a:endParaRPr>
+          </a:p>
+        </p:txBody>
+      </p:sp>
+      <p:sp>
+        <p:nvSpPr>
+          <p:cNvPr id="39" name="矩形 38">
+            <a:extLst>
+              <a:ext uri="{FF2B5EF4-FFF2-40B4-BE49-F238E27FC236}">
+                <a16:creationId xmlns:a16="http://schemas.microsoft.com/office/drawing/2014/main" id="{81838042-92CC-4EFB-804B-ED47C10CAA52}"/>
+              </a:ext>
+            </a:extLst>
+          </p:cNvPr>
+          <p:cNvSpPr/>
+          <p:nvPr/>
+        </p:nvSpPr>
+        <p:spPr>
+          <a:xfrm>
+            <a:off x="3324361" y="3478237"/>
+            <a:ext cx="3729867" cy="461665"/>
+          </a:xfrm>
+          <a:prstGeom prst="rect">
+            <a:avLst/>
+          </a:prstGeom>
+        </p:spPr>
+        <p:txBody>
+          <a:bodyPr wrap="none">
+            <a:spAutoFit/>
+          </a:bodyPr>
+          <a:lstStyle/>
+          <a:p>
+            <a:pPr algn="ctr"/>
+            <a:r>
+              <a:rPr lang="en-US" altLang="zh-CN" sz="2400" b="1" dirty="0">
+                <a:ln w="6350">
+                  <a:noFill/>
+                </a:ln>
+                <a:solidFill>
+                  <a:schemeClr val="bg1">
+                    <a:lumMod val="50000"/>
+                  </a:schemeClr>
+                </a:solidFill>
+                <a:latin typeface="微软雅黑" panose="020B0503020204020204" pitchFamily="34" charset="-122"/>
+                <a:ea typeface="微软雅黑" panose="020B0503020204020204" pitchFamily="34" charset="-122"/>
+              </a:rPr>
+              <a:t>03  </a:t>
+            </a:r>
+            <a:r>
+              <a:rPr lang="en-US" altLang="zh-CN" sz="2400" b="1" dirty="0" err="1">
+                <a:ln w="6350">
+                  <a:noFill/>
+                </a:ln>
+                <a:solidFill>
+                  <a:schemeClr val="bg1">
+                    <a:lumMod val="50000"/>
+                  </a:schemeClr>
+                </a:solidFill>
+                <a:latin typeface="微软雅黑" panose="020B0503020204020204" pitchFamily="34" charset="-122"/>
+                <a:ea typeface="微软雅黑" panose="020B0503020204020204" pitchFamily="34" charset="-122"/>
+              </a:rPr>
+              <a:t>SpringMVC</a:t>
+            </a:r>
+            <a:r>
+              <a:rPr lang="zh-CN" altLang="en-US" sz="2400" b="1" dirty="0">
+                <a:ln w="6350">
+                  <a:noFill/>
+                </a:ln>
+                <a:solidFill>
+                  <a:schemeClr val="bg1">
+                    <a:lumMod val="50000"/>
+                  </a:schemeClr>
+                </a:solidFill>
+                <a:latin typeface="微软雅黑" panose="020B0503020204020204" pitchFamily="34" charset="-122"/>
+                <a:ea typeface="微软雅黑" panose="020B0503020204020204" pitchFamily="34" charset="-122"/>
+              </a:rPr>
+              <a:t>底层原理</a:t>
+            </a:r>
+          </a:p>
+        </p:txBody>
+      </p:sp>
+    </p:spTree>
+  </p:cSld>
+  <p:clrMapOvr>
+    <a:masterClrMapping/>
+  </p:clrMapOvr>
+</p:sld>
+</file>
+
+<file path=ppt/slides/slide3.xml><?xml version="1.0" encoding="utf-8"?>
+<p:sld xmlns:a="http://schemas.openxmlformats.org/drawingml/2006/main" xmlns:r="http://schemas.openxmlformats.org/officeDocument/2006/relationships" xmlns:p="http://schemas.openxmlformats.org/presentationml/2006/main">
+  <p:cSld>
+    <p:spTree>
+      <p:nvGrpSpPr>
+        <p:cNvPr id="1" name=""/>
+        <p:cNvGrpSpPr/>
+        <p:nvPr/>
+      </p:nvGrpSpPr>
+      <p:grpSpPr>
+        <a:xfrm>
+          <a:off x="0" y="0"/>
+          <a:ext cx="0" cy="0"/>
+          <a:chOff x="0" y="0"/>
+          <a:chExt cx="0" cy="0"/>
+        </a:xfrm>
+      </p:grpSpPr>
       <p:sp>
         <p:nvSpPr>
           <p:cNvPr id="47" name="Rectangle 39"/>
@@ -3286,14 +3843,14 @@
               <a:buNone/>
             </a:pPr>
             <a:r>
-              <a:rPr lang="en-US" altLang="zh-CN" sz="2000" dirty="0" err="1">
+              <a:rPr lang="en-US" altLang="zh-CN" sz="2000" dirty="0">
                 <a:solidFill>
                   <a:schemeClr val="accent1"/>
                 </a:solidFill>
                 <a:latin typeface="微软雅黑" pitchFamily="34" charset="-122"/>
                 <a:ea typeface="微软雅黑" pitchFamily="34" charset="-122"/>
               </a:rPr>
-              <a:t>SpringMVC</a:t>
+              <a:t>Web</a:t>
             </a:r>
             <a:r>
               <a:rPr lang="zh-CN" altLang="en-US" sz="2000" dirty="0">
@@ -3303,7 +3860,7 @@
                 <a:latin typeface="微软雅黑" pitchFamily="34" charset="-122"/>
                 <a:ea typeface="微软雅黑" pitchFamily="34" charset="-122"/>
               </a:rPr>
-              <a:t>底层原理</a:t>
+              <a:t>基础</a:t>
             </a:r>
             <a:endParaRPr lang="en-US" altLang="zh-CN" sz="2000" dirty="0">
               <a:solidFill>
@@ -3516,10 +4073,10 @@
       </p:grpSp>
       <p:pic>
         <p:nvPicPr>
-          <p:cNvPr id="2" name="Picture 2">
+          <p:cNvPr id="1026" name="Picture 2">
             <a:extLst>
               <a:ext uri="{FF2B5EF4-FFF2-40B4-BE49-F238E27FC236}">
-                <a16:creationId xmlns:a16="http://schemas.microsoft.com/office/drawing/2014/main" id="{BC8FC0CD-BD1A-4CB8-A245-91437CDF484E}"/>
+                <a16:creationId xmlns:a16="http://schemas.microsoft.com/office/drawing/2014/main" id="{3037AEF0-0B2A-4FFE-A73E-D4D02501AF97}"/>
               </a:ext>
             </a:extLst>
           </p:cNvPr>
@@ -3543,8 +4100,8 @@
         </p:blipFill>
         <p:spPr bwMode="auto">
           <a:xfrm>
-            <a:off x="641056" y="848506"/>
-            <a:ext cx="8316416" cy="3914202"/>
+            <a:off x="539552" y="771550"/>
+            <a:ext cx="5572125" cy="3724275"/>
           </a:xfrm>
           <a:prstGeom prst="rect">
             <a:avLst/>
@@ -3561,15 +4118,244 @@
           </a:extLst>
         </p:spPr>
       </p:pic>
+      <p:sp>
+        <p:nvSpPr>
+          <p:cNvPr id="12" name="TextBox 21">
+            <a:extLst>
+              <a:ext uri="{FF2B5EF4-FFF2-40B4-BE49-F238E27FC236}">
+                <a16:creationId xmlns:a16="http://schemas.microsoft.com/office/drawing/2014/main" id="{CA1373AF-F638-4F7D-8304-30E738B45030}"/>
+              </a:ext>
+            </a:extLst>
+          </p:cNvPr>
+          <p:cNvSpPr txBox="1"/>
+          <p:nvPr/>
+        </p:nvSpPr>
+        <p:spPr>
+          <a:xfrm>
+            <a:off x="6588224" y="2067694"/>
+            <a:ext cx="2185004" cy="1319977"/>
+          </a:xfrm>
+          <a:prstGeom prst="rect">
+            <a:avLst/>
+          </a:prstGeom>
+        </p:spPr>
+        <p:style>
+          <a:lnRef idx="2">
+            <a:schemeClr val="accent2"/>
+          </a:lnRef>
+          <a:fillRef idx="1">
+            <a:schemeClr val="lt1"/>
+          </a:fillRef>
+          <a:effectRef idx="0">
+            <a:schemeClr val="accent2"/>
+          </a:effectRef>
+          <a:fontRef idx="minor">
+            <a:schemeClr val="dk1"/>
+          </a:fontRef>
+        </p:style>
+        <p:txBody>
+          <a:bodyPr wrap="square" rtlCol="0">
+            <a:spAutoFit/>
+          </a:bodyPr>
+          <a:lstStyle/>
+          <a:p>
+            <a:pPr>
+              <a:lnSpc>
+                <a:spcPct val="200000"/>
+              </a:lnSpc>
+            </a:pPr>
+            <a:r>
+              <a:rPr lang="en-US" altLang="zh-CN" sz="1400" dirty="0">
+                <a:ln w="6350">
+                  <a:noFill/>
+                </a:ln>
+                <a:solidFill>
+                  <a:schemeClr val="bg1">
+                    <a:lumMod val="50000"/>
+                  </a:schemeClr>
+                </a:solidFill>
+                <a:latin typeface="微软雅黑" pitchFamily="34" charset="-122"/>
+                <a:ea typeface="微软雅黑" pitchFamily="34" charset="-122"/>
+              </a:rPr>
+              <a:t>HTTP</a:t>
+            </a:r>
+            <a:r>
+              <a:rPr lang="zh-CN" altLang="en-US" sz="1400" dirty="0">
+                <a:ln w="6350">
+                  <a:noFill/>
+                </a:ln>
+                <a:solidFill>
+                  <a:schemeClr val="bg1">
+                    <a:lumMod val="50000"/>
+                  </a:schemeClr>
+                </a:solidFill>
+                <a:latin typeface="微软雅黑" pitchFamily="34" charset="-122"/>
+                <a:ea typeface="微软雅黑" pitchFamily="34" charset="-122"/>
+              </a:rPr>
+              <a:t>协议的特点：</a:t>
+            </a:r>
+            <a:endParaRPr lang="en-US" altLang="zh-CN" sz="1400" dirty="0">
+              <a:ln w="6350">
+                <a:noFill/>
+              </a:ln>
+              <a:solidFill>
+                <a:schemeClr val="bg1">
+                  <a:lumMod val="50000"/>
+                </a:schemeClr>
+              </a:solidFill>
+              <a:latin typeface="微软雅黑" pitchFamily="34" charset="-122"/>
+              <a:ea typeface="微软雅黑" pitchFamily="34" charset="-122"/>
+            </a:endParaRPr>
+          </a:p>
+          <a:p>
+            <a:pPr marL="285750" indent="-285750">
+              <a:lnSpc>
+                <a:spcPct val="200000"/>
+              </a:lnSpc>
+              <a:buFont typeface="Wingdings" panose="05000000000000000000" pitchFamily="2" charset="2"/>
+              <a:buChar char="l"/>
+            </a:pPr>
+            <a:r>
+              <a:rPr lang="zh-CN" altLang="en-US" sz="1400" dirty="0">
+                <a:ln w="6350">
+                  <a:noFill/>
+                </a:ln>
+                <a:solidFill>
+                  <a:schemeClr val="bg1">
+                    <a:lumMod val="50000"/>
+                  </a:schemeClr>
+                </a:solidFill>
+                <a:latin typeface="微软雅黑" pitchFamily="34" charset="-122"/>
+                <a:ea typeface="微软雅黑" pitchFamily="34" charset="-122"/>
+              </a:rPr>
+              <a:t>无状态</a:t>
+            </a:r>
+            <a:endParaRPr lang="en-US" altLang="zh-CN" sz="1400" dirty="0">
+              <a:ln w="6350">
+                <a:noFill/>
+              </a:ln>
+              <a:solidFill>
+                <a:schemeClr val="bg1">
+                  <a:lumMod val="50000"/>
+                </a:schemeClr>
+              </a:solidFill>
+              <a:latin typeface="微软雅黑" pitchFamily="34" charset="-122"/>
+              <a:ea typeface="微软雅黑" pitchFamily="34" charset="-122"/>
+            </a:endParaRPr>
+          </a:p>
+          <a:p>
+            <a:pPr marL="285750" indent="-285750">
+              <a:lnSpc>
+                <a:spcPct val="200000"/>
+              </a:lnSpc>
+              <a:buFont typeface="Wingdings" panose="05000000000000000000" pitchFamily="2" charset="2"/>
+              <a:buChar char="l"/>
+            </a:pPr>
+            <a:r>
+              <a:rPr lang="zh-CN" altLang="en-US" sz="1400" dirty="0">
+                <a:ln w="6350">
+                  <a:noFill/>
+                </a:ln>
+                <a:solidFill>
+                  <a:schemeClr val="bg1">
+                    <a:lumMod val="50000"/>
+                  </a:schemeClr>
+                </a:solidFill>
+                <a:latin typeface="微软雅黑" pitchFamily="34" charset="-122"/>
+                <a:ea typeface="微软雅黑" pitchFamily="34" charset="-122"/>
+              </a:rPr>
+              <a:t>无连接</a:t>
+            </a:r>
+          </a:p>
+        </p:txBody>
+      </p:sp>
     </p:spTree>
   </p:cSld>
   <p:clrMapOvr>
     <a:masterClrMapping/>
   </p:clrMapOvr>
+  <p:timing>
+    <p:tnLst>
+      <p:par>
+        <p:cTn id="1" dur="indefinite" restart="never" nodeType="tmRoot">
+          <p:childTnLst>
+            <p:seq concurrent="1" nextAc="seek">
+              <p:cTn id="2" dur="indefinite" nodeType="mainSeq">
+                <p:childTnLst>
+                  <p:par>
+                    <p:cTn id="3" fill="hold">
+                      <p:stCondLst>
+                        <p:cond delay="indefinite"/>
+                      </p:stCondLst>
+                      <p:childTnLst>
+                        <p:par>
+                          <p:cTn id="4" fill="hold">
+                            <p:stCondLst>
+                              <p:cond delay="0"/>
+                            </p:stCondLst>
+                            <p:childTnLst>
+                              <p:par>
+                                <p:cTn id="5" presetID="1" presetClass="entr" presetSubtype="0" fill="hold" grpId="0" nodeType="clickEffect">
+                                  <p:stCondLst>
+                                    <p:cond delay="0"/>
+                                  </p:stCondLst>
+                                  <p:childTnLst>
+                                    <p:set>
+                                      <p:cBhvr>
+                                        <p:cTn id="6" dur="1" fill="hold">
+                                          <p:stCondLst>
+                                            <p:cond delay="0"/>
+                                          </p:stCondLst>
+                                        </p:cTn>
+                                        <p:tgtEl>
+                                          <p:spTgt spid="12"/>
+                                        </p:tgtEl>
+                                        <p:attrNameLst>
+                                          <p:attrName>style.visibility</p:attrName>
+                                        </p:attrNameLst>
+                                      </p:cBhvr>
+                                      <p:to>
+                                        <p:strVal val="visible"/>
+                                      </p:to>
+                                    </p:set>
+                                  </p:childTnLst>
+                                </p:cTn>
+                              </p:par>
+                            </p:childTnLst>
+                          </p:cTn>
+                        </p:par>
+                      </p:childTnLst>
+                    </p:cTn>
+                  </p:par>
+                </p:childTnLst>
+              </p:cTn>
+              <p:prevCondLst>
+                <p:cond evt="onPrev" delay="0">
+                  <p:tgtEl>
+                    <p:sldTgt/>
+                  </p:tgtEl>
+                </p:cond>
+              </p:prevCondLst>
+              <p:nextCondLst>
+                <p:cond evt="onNext" delay="0">
+                  <p:tgtEl>
+                    <p:sldTgt/>
+                  </p:tgtEl>
+                </p:cond>
+              </p:nextCondLst>
+            </p:seq>
+          </p:childTnLst>
+        </p:cTn>
+      </p:par>
+    </p:tnLst>
+    <p:bldLst>
+      <p:bldP spid="12" grpId="0" animBg="1"/>
+    </p:bldLst>
+  </p:timing>
 </p:sld>
 </file>
 
-<file path=ppt/slides/slide3.xml><?xml version="1.0" encoding="utf-8"?>
+<file path=ppt/slides/slide4.xml><?xml version="1.0" encoding="utf-8"?>
 <p:sld xmlns:a="http://schemas.openxmlformats.org/drawingml/2006/main" xmlns:r="http://schemas.openxmlformats.org/officeDocument/2006/relationships" xmlns:p="http://schemas.openxmlformats.org/presentationml/2006/main">
   <p:cSld>
     <p:spTree>
@@ -3637,14 +4423,14 @@
               <a:buNone/>
             </a:pPr>
             <a:r>
-              <a:rPr lang="en-US" altLang="zh-CN" sz="2000" dirty="0" err="1">
+              <a:rPr lang="en-US" altLang="zh-CN" sz="2000" dirty="0">
                 <a:solidFill>
                   <a:schemeClr val="accent1"/>
                 </a:solidFill>
                 <a:latin typeface="微软雅黑" pitchFamily="34" charset="-122"/>
                 <a:ea typeface="微软雅黑" pitchFamily="34" charset="-122"/>
               </a:rPr>
-              <a:t>SpringMVC</a:t>
+              <a:t>Web</a:t>
             </a:r>
             <a:r>
               <a:rPr lang="zh-CN" altLang="en-US" sz="2000" dirty="0">
@@ -3654,7 +4440,7 @@
                 <a:latin typeface="微软雅黑" pitchFamily="34" charset="-122"/>
                 <a:ea typeface="微软雅黑" pitchFamily="34" charset="-122"/>
               </a:rPr>
-              <a:t>底层原理</a:t>
+              <a:t>基础</a:t>
             </a:r>
             <a:endParaRPr lang="en-US" altLang="zh-CN" sz="2000" dirty="0">
               <a:solidFill>
@@ -3870,7 +4656,7 @@
           <p:cNvPr id="2050" name="Picture 2">
             <a:extLst>
               <a:ext uri="{FF2B5EF4-FFF2-40B4-BE49-F238E27FC236}">
-                <a16:creationId xmlns:a16="http://schemas.microsoft.com/office/drawing/2014/main" id="{5E520BBA-76F0-4FF9-B104-73AFC83346A5}"/>
+                <a16:creationId xmlns:a16="http://schemas.microsoft.com/office/drawing/2014/main" id="{9EDE8CD6-05C8-4BFB-8A58-58C3221B570E}"/>
               </a:ext>
             </a:extLst>
           </p:cNvPr>
@@ -3894,8 +4680,8 @@
         </p:blipFill>
         <p:spPr bwMode="auto">
           <a:xfrm>
-            <a:off x="1067338" y="699542"/>
-            <a:ext cx="6948487" cy="5143500"/>
+            <a:off x="683568" y="51470"/>
+            <a:ext cx="4630737" cy="5143500"/>
           </a:xfrm>
           <a:prstGeom prst="rect">
             <a:avLst/>
@@ -3912,10 +4698,296 @@
           </a:extLst>
         </p:spPr>
       </p:pic>
+      <p:graphicFrame>
+        <p:nvGraphicFramePr>
+          <p:cNvPr id="5" name="表格 4">
+            <a:extLst>
+              <a:ext uri="{FF2B5EF4-FFF2-40B4-BE49-F238E27FC236}">
+                <a16:creationId xmlns:a16="http://schemas.microsoft.com/office/drawing/2014/main" id="{C5352B85-A0BD-4FE9-956D-5EFBB54F78C7}"/>
+              </a:ext>
+            </a:extLst>
+          </p:cNvPr>
+          <p:cNvGraphicFramePr>
+            <a:graphicFrameLocks noGrp="1"/>
+          </p:cNvGraphicFramePr>
+          <p:nvPr>
+            <p:extLst>
+              <p:ext uri="{D42A27DB-BD31-4B8C-83A1-F6EECF244321}">
+                <p14:modId xmlns:p14="http://schemas.microsoft.com/office/powerpoint/2010/main" val="3911619834"/>
+              </p:ext>
+            </p:extLst>
+          </p:nvPr>
+        </p:nvGraphicFramePr>
+        <p:xfrm>
+          <a:off x="5314305" y="2427734"/>
+          <a:ext cx="3543026" cy="1024192"/>
+        </p:xfrm>
+        <a:graphic>
+          <a:graphicData uri="http://schemas.openxmlformats.org/drawingml/2006/table">
+            <a:tbl>
+              <a:tblPr firstRow="1" firstCol="1" bandRow="1">
+                <a:tableStyleId>{5940675A-B579-460E-94D1-54222C63F5DA}</a:tableStyleId>
+              </a:tblPr>
+              <a:tblGrid>
+                <a:gridCol w="1771513">
+                  <a:extLst>
+                    <a:ext uri="{9D8B030D-6E8A-4147-A177-3AD203B41FA5}">
+                      <a16:colId xmlns:a16="http://schemas.microsoft.com/office/drawing/2014/main" val="874020505"/>
+                    </a:ext>
+                  </a:extLst>
+                </a:gridCol>
+                <a:gridCol w="1771513">
+                  <a:extLst>
+                    <a:ext uri="{9D8B030D-6E8A-4147-A177-3AD203B41FA5}">
+                      <a16:colId xmlns:a16="http://schemas.microsoft.com/office/drawing/2014/main" val="3206305073"/>
+                    </a:ext>
+                  </a:extLst>
+                </a:gridCol>
+              </a:tblGrid>
+              <a:tr h="0">
+                <a:tc>
+                  <a:txBody>
+                    <a:bodyPr/>
+                    <a:lstStyle/>
+                    <a:p>
+                      <a:pPr algn="just">
+                        <a:lnSpc>
+                          <a:spcPts val="2200"/>
+                        </a:lnSpc>
+                      </a:pPr>
+                      <a:r>
+                        <a:rPr lang="zh-CN" sz="1400" kern="100">
+                          <a:effectLst/>
+                        </a:rPr>
+                        <a:t>大类型</a:t>
+                      </a:r>
+                      <a:endParaRPr lang="zh-CN" sz="1050" kern="100">
+                        <a:effectLst/>
+                        <a:latin typeface="等线" panose="02010600030101010101" pitchFamily="2" charset="-122"/>
+                        <a:ea typeface="等线" panose="02010600030101010101" pitchFamily="2" charset="-122"/>
+                        <a:cs typeface="Times New Roman" panose="02020603050405020304" pitchFamily="18" charset="0"/>
+                      </a:endParaRPr>
+                    </a:p>
+                  </a:txBody>
+                  <a:tcPr marL="68580" marR="68580" marT="0" marB="0"/>
+                </a:tc>
+                <a:tc>
+                  <a:txBody>
+                    <a:bodyPr/>
+                    <a:lstStyle/>
+                    <a:p>
+                      <a:pPr algn="just">
+                        <a:lnSpc>
+                          <a:spcPts val="2200"/>
+                        </a:lnSpc>
+                      </a:pPr>
+                      <a:r>
+                        <a:rPr lang="zh-CN" sz="1400" kern="100">
+                          <a:effectLst/>
+                        </a:rPr>
+                        <a:t>小类型</a:t>
+                      </a:r>
+                      <a:endParaRPr lang="zh-CN" sz="1050" kern="100">
+                        <a:effectLst/>
+                        <a:latin typeface="等线" panose="02010600030101010101" pitchFamily="2" charset="-122"/>
+                        <a:ea typeface="等线" panose="02010600030101010101" pitchFamily="2" charset="-122"/>
+                        <a:cs typeface="Times New Roman" panose="02020603050405020304" pitchFamily="18" charset="0"/>
+                      </a:endParaRPr>
+                    </a:p>
+                  </a:txBody>
+                  <a:tcPr marL="68580" marR="68580" marT="0" marB="0"/>
+                </a:tc>
+                <a:extLst>
+                  <a:ext uri="{0D108BD9-81ED-4DB2-BD59-A6C34878D82A}">
+                    <a16:rowId xmlns:a16="http://schemas.microsoft.com/office/drawing/2014/main" val="3308910449"/>
+                  </a:ext>
+                </a:extLst>
+              </a:tr>
+              <a:tr h="0">
+                <a:tc>
+                  <a:txBody>
+                    <a:bodyPr/>
+                    <a:lstStyle/>
+                    <a:p>
+                      <a:pPr algn="just">
+                        <a:lnSpc>
+                          <a:spcPts val="2200"/>
+                        </a:lnSpc>
+                      </a:pPr>
+                      <a:r>
+                        <a:rPr lang="en-US" sz="1400" kern="100">
+                          <a:effectLst/>
+                        </a:rPr>
+                        <a:t>text</a:t>
+                      </a:r>
+                      <a:endParaRPr lang="zh-CN" sz="1050" kern="100">
+                        <a:effectLst/>
+                        <a:latin typeface="等线" panose="02010600030101010101" pitchFamily="2" charset="-122"/>
+                        <a:ea typeface="等线" panose="02010600030101010101" pitchFamily="2" charset="-122"/>
+                        <a:cs typeface="Times New Roman" panose="02020603050405020304" pitchFamily="18" charset="0"/>
+                      </a:endParaRPr>
+                    </a:p>
+                  </a:txBody>
+                  <a:tcPr marL="68580" marR="68580" marT="0" marB="0"/>
+                </a:tc>
+                <a:tc>
+                  <a:txBody>
+                    <a:bodyPr/>
+                    <a:lstStyle/>
+                    <a:p>
+                      <a:pPr algn="just">
+                        <a:lnSpc>
+                          <a:spcPts val="2200"/>
+                        </a:lnSpc>
+                      </a:pPr>
+                      <a:r>
+                        <a:rPr lang="en-US" sz="1400" kern="100">
+                          <a:effectLst/>
+                        </a:rPr>
+                        <a:t>html, plain, css, …</a:t>
+                      </a:r>
+                      <a:endParaRPr lang="zh-CN" sz="1050" kern="100">
+                        <a:effectLst/>
+                        <a:latin typeface="等线" panose="02010600030101010101" pitchFamily="2" charset="-122"/>
+                        <a:ea typeface="等线" panose="02010600030101010101" pitchFamily="2" charset="-122"/>
+                        <a:cs typeface="Times New Roman" panose="02020603050405020304" pitchFamily="18" charset="0"/>
+                      </a:endParaRPr>
+                    </a:p>
+                  </a:txBody>
+                  <a:tcPr marL="68580" marR="68580" marT="0" marB="0"/>
+                </a:tc>
+                <a:extLst>
+                  <a:ext uri="{0D108BD9-81ED-4DB2-BD59-A6C34878D82A}">
+                    <a16:rowId xmlns:a16="http://schemas.microsoft.com/office/drawing/2014/main" val="1372973336"/>
+                  </a:ext>
+                </a:extLst>
+              </a:tr>
+              <a:tr h="0">
+                <a:tc>
+                  <a:txBody>
+                    <a:bodyPr/>
+                    <a:lstStyle/>
+                    <a:p>
+                      <a:pPr algn="just">
+                        <a:lnSpc>
+                          <a:spcPts val="2200"/>
+                        </a:lnSpc>
+                      </a:pPr>
+                      <a:r>
+                        <a:rPr lang="en-US" sz="1400" kern="100">
+                          <a:effectLst/>
+                        </a:rPr>
+                        <a:t>image</a:t>
+                      </a:r>
+                      <a:endParaRPr lang="zh-CN" sz="1050" kern="100">
+                        <a:effectLst/>
+                        <a:latin typeface="等线" panose="02010600030101010101" pitchFamily="2" charset="-122"/>
+                        <a:ea typeface="等线" panose="02010600030101010101" pitchFamily="2" charset="-122"/>
+                        <a:cs typeface="Times New Roman" panose="02020603050405020304" pitchFamily="18" charset="0"/>
+                      </a:endParaRPr>
+                    </a:p>
+                  </a:txBody>
+                  <a:tcPr marL="68580" marR="68580" marT="0" marB="0"/>
+                </a:tc>
+                <a:tc>
+                  <a:txBody>
+                    <a:bodyPr/>
+                    <a:lstStyle/>
+                    <a:p>
+                      <a:pPr algn="just">
+                        <a:lnSpc>
+                          <a:spcPts val="2200"/>
+                        </a:lnSpc>
+                      </a:pPr>
+                      <a:r>
+                        <a:rPr lang="en-US" sz="1400" kern="100">
+                          <a:effectLst/>
+                        </a:rPr>
+                        <a:t>jpeg, png, gif, …</a:t>
+                      </a:r>
+                      <a:endParaRPr lang="zh-CN" sz="1050" kern="100">
+                        <a:effectLst/>
+                        <a:latin typeface="等线" panose="02010600030101010101" pitchFamily="2" charset="-122"/>
+                        <a:ea typeface="等线" panose="02010600030101010101" pitchFamily="2" charset="-122"/>
+                        <a:cs typeface="Times New Roman" panose="02020603050405020304" pitchFamily="18" charset="0"/>
+                      </a:endParaRPr>
+                    </a:p>
+                  </a:txBody>
+                  <a:tcPr marL="68580" marR="68580" marT="0" marB="0"/>
+                </a:tc>
+                <a:extLst>
+                  <a:ext uri="{0D108BD9-81ED-4DB2-BD59-A6C34878D82A}">
+                    <a16:rowId xmlns:a16="http://schemas.microsoft.com/office/drawing/2014/main" val="1052737035"/>
+                  </a:ext>
+                </a:extLst>
+              </a:tr>
+              <a:tr h="0">
+                <a:tc>
+                  <a:txBody>
+                    <a:bodyPr/>
+                    <a:lstStyle/>
+                    <a:p>
+                      <a:pPr algn="just">
+                        <a:lnSpc>
+                          <a:spcPts val="2200"/>
+                        </a:lnSpc>
+                      </a:pPr>
+                      <a:r>
+                        <a:rPr lang="en-US" sz="1400" kern="100">
+                          <a:effectLst/>
+                        </a:rPr>
+                        <a:t>…</a:t>
+                      </a:r>
+                      <a:endParaRPr lang="zh-CN" sz="1050" kern="100">
+                        <a:effectLst/>
+                        <a:latin typeface="等线" panose="02010600030101010101" pitchFamily="2" charset="-122"/>
+                        <a:ea typeface="等线" panose="02010600030101010101" pitchFamily="2" charset="-122"/>
+                        <a:cs typeface="Times New Roman" panose="02020603050405020304" pitchFamily="18" charset="0"/>
+                      </a:endParaRPr>
+                    </a:p>
+                  </a:txBody>
+                  <a:tcPr marL="68580" marR="68580" marT="0" marB="0"/>
+                </a:tc>
+                <a:tc>
+                  <a:txBody>
+                    <a:bodyPr/>
+                    <a:lstStyle/>
+                    <a:p>
+                      <a:pPr algn="just">
+                        <a:lnSpc>
+                          <a:spcPts val="2200"/>
+                        </a:lnSpc>
+                      </a:pPr>
+                      <a:r>
+                        <a:rPr lang="en-US" sz="1400" kern="100" dirty="0">
+                          <a:effectLst/>
+                        </a:rPr>
+                        <a:t>…</a:t>
+                      </a:r>
+                      <a:endParaRPr lang="zh-CN" sz="1050" kern="100" dirty="0">
+                        <a:effectLst/>
+                        <a:latin typeface="等线" panose="02010600030101010101" pitchFamily="2" charset="-122"/>
+                        <a:ea typeface="等线" panose="02010600030101010101" pitchFamily="2" charset="-122"/>
+                        <a:cs typeface="Times New Roman" panose="02020603050405020304" pitchFamily="18" charset="0"/>
+                      </a:endParaRPr>
+                    </a:p>
+                  </a:txBody>
+                  <a:tcPr marL="68580" marR="68580" marT="0" marB="0"/>
+                </a:tc>
+                <a:extLst>
+                  <a:ext uri="{0D108BD9-81ED-4DB2-BD59-A6C34878D82A}">
+                    <a16:rowId xmlns:a16="http://schemas.microsoft.com/office/drawing/2014/main" val="906156789"/>
+                  </a:ext>
+                </a:extLst>
+              </a:tr>
+            </a:tbl>
+          </a:graphicData>
+        </a:graphic>
+      </p:graphicFrame>
     </p:spTree>
     <p:extLst>
       <p:ext uri="{BB962C8B-B14F-4D97-AF65-F5344CB8AC3E}">
-        <p14:creationId xmlns:p14="http://schemas.microsoft.com/office/powerpoint/2010/main" val="3690687629"/>
+        <p14:creationId xmlns:p14="http://schemas.microsoft.com/office/powerpoint/2010/main" val="2353378809"/>
       </p:ext>
     </p:extLst>
   </p:cSld>
@@ -3925,7 +4997,7 @@
 </p:sld>
 </file>
 
-<file path=ppt/slides/slide4.xml><?xml version="1.0" encoding="utf-8"?>
+<file path=ppt/slides/slide5.xml><?xml version="1.0" encoding="utf-8"?>
 <p:sld xmlns:a="http://schemas.openxmlformats.org/drawingml/2006/main" xmlns:r="http://schemas.openxmlformats.org/officeDocument/2006/relationships" xmlns:p="http://schemas.openxmlformats.org/presentationml/2006/main">
   <p:cSld>
     <p:spTree>
@@ -3993,14 +5065,14 @@
               <a:buNone/>
             </a:pPr>
             <a:r>
-              <a:rPr lang="en-US" altLang="zh-CN" sz="2000" dirty="0" err="1">
+              <a:rPr lang="en-US" altLang="zh-CN" sz="2000" dirty="0">
                 <a:solidFill>
                   <a:schemeClr val="accent1"/>
                 </a:solidFill>
                 <a:latin typeface="微软雅黑" pitchFamily="34" charset="-122"/>
                 <a:ea typeface="微软雅黑" pitchFamily="34" charset="-122"/>
               </a:rPr>
-              <a:t>SpringMVC</a:t>
+              <a:t>Web</a:t>
             </a:r>
             <a:r>
               <a:rPr lang="zh-CN" altLang="en-US" sz="2000" dirty="0">
@@ -4010,7 +5082,7 @@
                 <a:latin typeface="微软雅黑" pitchFamily="34" charset="-122"/>
                 <a:ea typeface="微软雅黑" pitchFamily="34" charset="-122"/>
               </a:rPr>
-              <a:t>底层原理</a:t>
+              <a:t>基础</a:t>
             </a:r>
             <a:endParaRPr lang="en-US" altLang="zh-CN" sz="2000" dirty="0">
               <a:solidFill>
@@ -4223,10 +5295,10 @@
       </p:grpSp>
       <p:pic>
         <p:nvPicPr>
-          <p:cNvPr id="3076" name="Picture 4">
+          <p:cNvPr id="2050" name="Picture 2">
             <a:extLst>
               <a:ext uri="{FF2B5EF4-FFF2-40B4-BE49-F238E27FC236}">
-                <a16:creationId xmlns:a16="http://schemas.microsoft.com/office/drawing/2014/main" id="{A57D4946-CA5B-4927-8994-5CA7708C8120}"/>
+                <a16:creationId xmlns:a16="http://schemas.microsoft.com/office/drawing/2014/main" id="{BA004D96-2305-498E-B964-327AFBBA1E25}"/>
               </a:ext>
             </a:extLst>
           </p:cNvPr>
@@ -4250,8 +5322,8 @@
         </p:blipFill>
         <p:spPr bwMode="auto">
           <a:xfrm>
-            <a:off x="0" y="1275606"/>
-            <a:ext cx="9144000" cy="3079750"/>
+            <a:off x="3194218" y="1157362"/>
+            <a:ext cx="2979064" cy="3686120"/>
           </a:xfrm>
           <a:prstGeom prst="rect">
             <a:avLst/>
@@ -4271,404 +5343,7 @@
     </p:spTree>
     <p:extLst>
       <p:ext uri="{BB962C8B-B14F-4D97-AF65-F5344CB8AC3E}">
-        <p14:creationId xmlns:p14="http://schemas.microsoft.com/office/powerpoint/2010/main" val="4181089099"/>
-      </p:ext>
-    </p:extLst>
-  </p:cSld>
-  <p:clrMapOvr>
-    <a:masterClrMapping/>
-  </p:clrMapOvr>
-</p:sld>
-</file>
-
-<file path=ppt/slides/slide5.xml><?xml version="1.0" encoding="utf-8"?>
-<p:sld xmlns:a="http://schemas.openxmlformats.org/drawingml/2006/main" xmlns:r="http://schemas.openxmlformats.org/officeDocument/2006/relationships" xmlns:p="http://schemas.openxmlformats.org/presentationml/2006/main">
-  <p:cSld>
-    <p:spTree>
-      <p:nvGrpSpPr>
-        <p:cNvPr id="1" name=""/>
-        <p:cNvGrpSpPr/>
-        <p:nvPr/>
-      </p:nvGrpSpPr>
-      <p:grpSpPr>
-        <a:xfrm>
-          <a:off x="0" y="0"/>
-          <a:ext cx="0" cy="0"/>
-          <a:chOff x="0" y="0"/>
-          <a:chExt cx="0" cy="0"/>
-        </a:xfrm>
-      </p:grpSpPr>
-      <p:sp>
-        <p:nvSpPr>
-          <p:cNvPr id="47" name="Rectangle 39"/>
-          <p:cNvSpPr>
-            <a:spLocks noChangeArrowheads="1"/>
-          </p:cNvSpPr>
-          <p:nvPr/>
-        </p:nvSpPr>
-        <p:spPr bwMode="auto">
-          <a:xfrm>
-            <a:off x="416159" y="278281"/>
-            <a:ext cx="2778059" cy="307872"/>
-          </a:xfrm>
-          <a:prstGeom prst="rect">
-            <a:avLst/>
-          </a:prstGeom>
-          <a:noFill/>
-          <a:ln>
-            <a:noFill/>
-          </a:ln>
-          <a:extLst>
-            <a:ext uri="{909E8E84-426E-40DD-AFC4-6F175D3DCCD1}">
-              <a14:hiddenFill xmlns:a14="http://schemas.microsoft.com/office/drawing/2010/main">
-                <a:solidFill>
-                  <a:srgbClr val="FFFFFF"/>
-                </a:solidFill>
-              </a14:hiddenFill>
-            </a:ext>
-            <a:ext uri="{91240B29-F687-4F45-9708-019B960494DF}">
-              <a14:hiddenLine xmlns:a14="http://schemas.microsoft.com/office/drawing/2010/main" w="9525">
-                <a:solidFill>
-                  <a:srgbClr val="000000"/>
-                </a:solidFill>
-                <a:miter lim="800000"/>
-                <a:headEnd/>
-                <a:tailEnd/>
-              </a14:hiddenLine>
-            </a:ext>
-          </a:extLst>
-        </p:spPr>
-        <p:txBody>
-          <a:bodyPr wrap="square" lIns="0" tIns="0" rIns="0" bIns="0">
-            <a:spAutoFit/>
-          </a:bodyPr>
-          <a:lstStyle/>
-          <a:p>
-            <a:pPr>
-              <a:buFont typeface="Arial" pitchFamily="34" charset="0"/>
-              <a:buNone/>
-            </a:pPr>
-            <a:r>
-              <a:rPr lang="en-US" altLang="zh-CN" sz="2000" dirty="0" err="1">
-                <a:solidFill>
-                  <a:schemeClr val="accent1"/>
-                </a:solidFill>
-                <a:latin typeface="微软雅黑" pitchFamily="34" charset="-122"/>
-                <a:ea typeface="微软雅黑" pitchFamily="34" charset="-122"/>
-              </a:rPr>
-              <a:t>SpringMVC</a:t>
-            </a:r>
-            <a:r>
-              <a:rPr lang="zh-CN" altLang="en-US" sz="2000" dirty="0">
-                <a:solidFill>
-                  <a:schemeClr val="accent1"/>
-                </a:solidFill>
-                <a:latin typeface="微软雅黑" pitchFamily="34" charset="-122"/>
-                <a:ea typeface="微软雅黑" pitchFamily="34" charset="-122"/>
-              </a:rPr>
-              <a:t>底层原理</a:t>
-            </a:r>
-            <a:endParaRPr lang="en-US" altLang="zh-CN" sz="2000" dirty="0">
-              <a:solidFill>
-                <a:schemeClr val="accent1"/>
-              </a:solidFill>
-              <a:latin typeface="微软雅黑" pitchFamily="34" charset="-122"/>
-              <a:ea typeface="微软雅黑" pitchFamily="34" charset="-122"/>
-            </a:endParaRPr>
-          </a:p>
-        </p:txBody>
-      </p:sp>
-      <p:grpSp>
-        <p:nvGrpSpPr>
-          <p:cNvPr id="48" name="组合 47"/>
-          <p:cNvGrpSpPr/>
-          <p:nvPr/>
-        </p:nvGrpSpPr>
-        <p:grpSpPr>
-          <a:xfrm>
-            <a:off x="416158" y="699542"/>
-            <a:ext cx="899592" cy="56017"/>
-            <a:chOff x="0" y="2842590"/>
-            <a:chExt cx="7054752" cy="89199"/>
-          </a:xfrm>
-        </p:grpSpPr>
-        <p:sp>
-          <p:nvSpPr>
-            <p:cNvPr id="49" name="矩形 48"/>
-            <p:cNvSpPr/>
-            <p:nvPr/>
-          </p:nvSpPr>
-          <p:spPr>
-            <a:xfrm>
-              <a:off x="0" y="2842590"/>
-              <a:ext cx="1763688" cy="89199"/>
-            </a:xfrm>
-            <a:prstGeom prst="rect">
-              <a:avLst/>
-            </a:prstGeom>
-            <a:solidFill>
-              <a:schemeClr val="accent1"/>
-            </a:solidFill>
-            <a:ln>
-              <a:noFill/>
-            </a:ln>
-          </p:spPr>
-          <p:style>
-            <a:lnRef idx="2">
-              <a:schemeClr val="accent1">
-                <a:shade val="50000"/>
-              </a:schemeClr>
-            </a:lnRef>
-            <a:fillRef idx="1">
-              <a:schemeClr val="accent1"/>
-            </a:fillRef>
-            <a:effectRef idx="0">
-              <a:schemeClr val="accent1"/>
-            </a:effectRef>
-            <a:fontRef idx="minor">
-              <a:schemeClr val="lt1"/>
-            </a:fontRef>
-          </p:style>
-          <p:txBody>
-            <a:bodyPr rtlCol="0" anchor="ctr"/>
-            <a:lstStyle/>
-            <a:p>
-              <a:pPr algn="ctr"/>
-              <a:endParaRPr lang="zh-CN" altLang="en-US"/>
-            </a:p>
-          </p:txBody>
-        </p:sp>
-        <p:sp>
-          <p:nvSpPr>
-            <p:cNvPr id="50" name="矩形 49"/>
-            <p:cNvSpPr/>
-            <p:nvPr/>
-          </p:nvSpPr>
-          <p:spPr>
-            <a:xfrm>
-              <a:off x="1763688" y="2842590"/>
-              <a:ext cx="1763688" cy="89199"/>
-            </a:xfrm>
-            <a:prstGeom prst="rect">
-              <a:avLst/>
-            </a:prstGeom>
-            <a:solidFill>
-              <a:schemeClr val="accent2"/>
-            </a:solidFill>
-            <a:ln>
-              <a:noFill/>
-            </a:ln>
-          </p:spPr>
-          <p:style>
-            <a:lnRef idx="2">
-              <a:schemeClr val="accent1">
-                <a:shade val="50000"/>
-              </a:schemeClr>
-            </a:lnRef>
-            <a:fillRef idx="1">
-              <a:schemeClr val="accent1"/>
-            </a:fillRef>
-            <a:effectRef idx="0">
-              <a:schemeClr val="accent1"/>
-            </a:effectRef>
-            <a:fontRef idx="minor">
-              <a:schemeClr val="lt1"/>
-            </a:fontRef>
-          </p:style>
-          <p:txBody>
-            <a:bodyPr rtlCol="0" anchor="ctr"/>
-            <a:lstStyle/>
-            <a:p>
-              <a:pPr algn="ctr"/>
-              <a:endParaRPr lang="zh-CN" altLang="en-US"/>
-            </a:p>
-          </p:txBody>
-        </p:sp>
-        <p:sp>
-          <p:nvSpPr>
-            <p:cNvPr id="51" name="矩形 50"/>
-            <p:cNvSpPr/>
-            <p:nvPr/>
-          </p:nvSpPr>
-          <p:spPr>
-            <a:xfrm>
-              <a:off x="3527376" y="2842590"/>
-              <a:ext cx="1763688" cy="89199"/>
-            </a:xfrm>
-            <a:prstGeom prst="rect">
-              <a:avLst/>
-            </a:prstGeom>
-            <a:solidFill>
-              <a:schemeClr val="accent3"/>
-            </a:solidFill>
-            <a:ln>
-              <a:noFill/>
-            </a:ln>
-          </p:spPr>
-          <p:style>
-            <a:lnRef idx="2">
-              <a:schemeClr val="accent1">
-                <a:shade val="50000"/>
-              </a:schemeClr>
-            </a:lnRef>
-            <a:fillRef idx="1">
-              <a:schemeClr val="accent1"/>
-            </a:fillRef>
-            <a:effectRef idx="0">
-              <a:schemeClr val="accent1"/>
-            </a:effectRef>
-            <a:fontRef idx="minor">
-              <a:schemeClr val="lt1"/>
-            </a:fontRef>
-          </p:style>
-          <p:txBody>
-            <a:bodyPr rtlCol="0" anchor="ctr"/>
-            <a:lstStyle/>
-            <a:p>
-              <a:pPr algn="ctr"/>
-              <a:endParaRPr lang="zh-CN" altLang="en-US"/>
-            </a:p>
-          </p:txBody>
-        </p:sp>
-        <p:sp>
-          <p:nvSpPr>
-            <p:cNvPr id="52" name="矩形 51"/>
-            <p:cNvSpPr/>
-            <p:nvPr/>
-          </p:nvSpPr>
-          <p:spPr>
-            <a:xfrm>
-              <a:off x="5291064" y="2842590"/>
-              <a:ext cx="1763688" cy="89199"/>
-            </a:xfrm>
-            <a:prstGeom prst="rect">
-              <a:avLst/>
-            </a:prstGeom>
-            <a:solidFill>
-              <a:schemeClr val="accent4"/>
-            </a:solidFill>
-            <a:ln>
-              <a:noFill/>
-            </a:ln>
-          </p:spPr>
-          <p:style>
-            <a:lnRef idx="2">
-              <a:schemeClr val="accent1">
-                <a:shade val="50000"/>
-              </a:schemeClr>
-            </a:lnRef>
-            <a:fillRef idx="1">
-              <a:schemeClr val="accent1"/>
-            </a:fillRef>
-            <a:effectRef idx="0">
-              <a:schemeClr val="accent1"/>
-            </a:effectRef>
-            <a:fontRef idx="minor">
-              <a:schemeClr val="lt1"/>
-            </a:fontRef>
-          </p:style>
-          <p:txBody>
-            <a:bodyPr rtlCol="0" anchor="ctr"/>
-            <a:lstStyle/>
-            <a:p>
-              <a:pPr algn="ctr"/>
-              <a:endParaRPr lang="zh-CN" altLang="en-US"/>
-            </a:p>
-          </p:txBody>
-        </p:sp>
-      </p:grpSp>
-      <p:sp>
-        <p:nvSpPr>
-          <p:cNvPr id="9" name="TextBox 21">
-            <a:extLst>
-              <a:ext uri="{FF2B5EF4-FFF2-40B4-BE49-F238E27FC236}">
-                <a16:creationId xmlns:a16="http://schemas.microsoft.com/office/drawing/2014/main" id="{CFDB359A-341E-48C3-B3F0-E6C7ABE0BC6F}"/>
-              </a:ext>
-            </a:extLst>
-          </p:cNvPr>
-          <p:cNvSpPr txBox="1"/>
-          <p:nvPr/>
-        </p:nvSpPr>
-        <p:spPr>
-          <a:xfrm>
-            <a:off x="641056" y="915566"/>
-            <a:ext cx="2160414" cy="307777"/>
-          </a:xfrm>
-          <a:prstGeom prst="rect">
-            <a:avLst/>
-          </a:prstGeom>
-          <a:noFill/>
-        </p:spPr>
-        <p:txBody>
-          <a:bodyPr wrap="square" rtlCol="0">
-            <a:spAutoFit/>
-          </a:bodyPr>
-          <a:lstStyle/>
-          <a:p>
-            <a:r>
-              <a:rPr lang="en-US" altLang="zh-CN" sz="1400" dirty="0">
-                <a:ln w="6350">
-                  <a:noFill/>
-                </a:ln>
-                <a:solidFill>
-                  <a:schemeClr val="bg1">
-                    <a:lumMod val="50000"/>
-                  </a:schemeClr>
-                </a:solidFill>
-                <a:latin typeface="微软雅黑" pitchFamily="34" charset="-122"/>
-                <a:ea typeface="微软雅黑" pitchFamily="34" charset="-122"/>
-              </a:rPr>
-              <a:t>Interceptor</a:t>
-            </a:r>
-            <a:endParaRPr lang="zh-CN" altLang="en-US" sz="1400" dirty="0">
-              <a:ln w="6350">
-                <a:noFill/>
-              </a:ln>
-              <a:solidFill>
-                <a:schemeClr val="bg1">
-                  <a:lumMod val="50000"/>
-                </a:schemeClr>
-              </a:solidFill>
-              <a:latin typeface="微软雅黑" pitchFamily="34" charset="-122"/>
-              <a:ea typeface="微软雅黑" pitchFamily="34" charset="-122"/>
-            </a:endParaRPr>
-          </a:p>
-        </p:txBody>
-      </p:sp>
-      <p:pic>
-        <p:nvPicPr>
-          <p:cNvPr id="3" name="图片 2">
-            <a:extLst>
-              <a:ext uri="{FF2B5EF4-FFF2-40B4-BE49-F238E27FC236}">
-                <a16:creationId xmlns:a16="http://schemas.microsoft.com/office/drawing/2014/main" id="{B6EB94B3-7430-4F09-86D7-B0934B3D61F7}"/>
-              </a:ext>
-            </a:extLst>
-          </p:cNvPr>
-          <p:cNvPicPr>
-            <a:picLocks noChangeAspect="1"/>
-          </p:cNvPicPr>
-          <p:nvPr/>
-        </p:nvPicPr>
-        <p:blipFill>
-          <a:blip r:embed="rId3"/>
-          <a:stretch>
-            <a:fillRect/>
-          </a:stretch>
-        </p:blipFill>
-        <p:spPr>
-          <a:xfrm>
-            <a:off x="544936" y="1347614"/>
-            <a:ext cx="8664691" cy="3444538"/>
-          </a:xfrm>
-          <a:prstGeom prst="rect">
-            <a:avLst/>
-          </a:prstGeom>
-        </p:spPr>
-      </p:pic>
-    </p:spTree>
-    <p:extLst>
-      <p:ext uri="{BB962C8B-B14F-4D97-AF65-F5344CB8AC3E}">
-        <p14:creationId xmlns:p14="http://schemas.microsoft.com/office/powerpoint/2010/main" val="1149456539"/>
+        <p14:creationId xmlns:p14="http://schemas.microsoft.com/office/powerpoint/2010/main" val="39682356"/>
       </p:ext>
     </p:extLst>
   </p:cSld>
@@ -4746,14 +5421,14 @@
               <a:buNone/>
             </a:pPr>
             <a:r>
-              <a:rPr lang="en-US" altLang="zh-CN" sz="2000" dirty="0" err="1">
+              <a:rPr lang="en-US" altLang="zh-CN" sz="2000" dirty="0">
                 <a:solidFill>
                   <a:schemeClr val="accent1"/>
                 </a:solidFill>
                 <a:latin typeface="微软雅黑" pitchFamily="34" charset="-122"/>
                 <a:ea typeface="微软雅黑" pitchFamily="34" charset="-122"/>
               </a:rPr>
-              <a:t>SpringMVC</a:t>
+              <a:t>Web</a:t>
             </a:r>
             <a:r>
               <a:rPr lang="zh-CN" altLang="en-US" sz="2000" dirty="0">
@@ -4763,7 +5438,7 @@
                 <a:latin typeface="微软雅黑" pitchFamily="34" charset="-122"/>
                 <a:ea typeface="微软雅黑" pitchFamily="34" charset="-122"/>
               </a:rPr>
-              <a:t>底层原理</a:t>
+              <a:t>基础</a:t>
             </a:r>
             <a:endParaRPr lang="en-US" altLang="zh-CN" sz="2000" dirty="0">
               <a:solidFill>
@@ -4976,10 +5651,355 @@
       </p:grpSp>
       <p:pic>
         <p:nvPicPr>
-          <p:cNvPr id="4102" name="Picture 6">
+          <p:cNvPr id="4" name="图片 3">
             <a:extLst>
               <a:ext uri="{FF2B5EF4-FFF2-40B4-BE49-F238E27FC236}">
-                <a16:creationId xmlns:a16="http://schemas.microsoft.com/office/drawing/2014/main" id="{C58E29C3-0182-486F-8A01-91AA252C64D3}"/>
+                <a16:creationId xmlns:a16="http://schemas.microsoft.com/office/drawing/2014/main" id="{2F749A56-FCDD-45E8-ABAB-3983864ED7A4}"/>
+              </a:ext>
+            </a:extLst>
+          </p:cNvPr>
+          <p:cNvPicPr>
+            <a:picLocks noChangeAspect="1"/>
+          </p:cNvPicPr>
+          <p:nvPr/>
+        </p:nvPicPr>
+        <p:blipFill>
+          <a:blip r:embed="rId3">
+            <a:extLst>
+              <a:ext uri="{28A0092B-C50C-407E-A947-70E740481C1C}">
+                <a14:useLocalDpi xmlns:a14="http://schemas.microsoft.com/office/drawing/2010/main" val="0"/>
+              </a:ext>
+            </a:extLst>
+          </a:blip>
+          <a:stretch>
+            <a:fillRect/>
+          </a:stretch>
+        </p:blipFill>
+        <p:spPr>
+          <a:xfrm>
+            <a:off x="683568" y="1347614"/>
+            <a:ext cx="7055768" cy="2799268"/>
+          </a:xfrm>
+          <a:prstGeom prst="rect">
+            <a:avLst/>
+          </a:prstGeom>
+        </p:spPr>
+      </p:pic>
+    </p:spTree>
+    <p:extLst>
+      <p:ext uri="{BB962C8B-B14F-4D97-AF65-F5344CB8AC3E}">
+        <p14:creationId xmlns:p14="http://schemas.microsoft.com/office/powerpoint/2010/main" val="1813551907"/>
+      </p:ext>
+    </p:extLst>
+  </p:cSld>
+  <p:clrMapOvr>
+    <a:masterClrMapping/>
+  </p:clrMapOvr>
+</p:sld>
+</file>
+
+<file path=ppt/slides/slide7.xml><?xml version="1.0" encoding="utf-8"?>
+<p:sld xmlns:a="http://schemas.openxmlformats.org/drawingml/2006/main" xmlns:r="http://schemas.openxmlformats.org/officeDocument/2006/relationships" xmlns:p="http://schemas.openxmlformats.org/presentationml/2006/main">
+  <p:cSld>
+    <p:spTree>
+      <p:nvGrpSpPr>
+        <p:cNvPr id="1" name=""/>
+        <p:cNvGrpSpPr/>
+        <p:nvPr/>
+      </p:nvGrpSpPr>
+      <p:grpSpPr>
+        <a:xfrm>
+          <a:off x="0" y="0"/>
+          <a:ext cx="0" cy="0"/>
+          <a:chOff x="0" y="0"/>
+          <a:chExt cx="0" cy="0"/>
+        </a:xfrm>
+      </p:grpSpPr>
+      <p:sp>
+        <p:nvSpPr>
+          <p:cNvPr id="47" name="Rectangle 39"/>
+          <p:cNvSpPr>
+            <a:spLocks noChangeArrowheads="1"/>
+          </p:cNvSpPr>
+          <p:nvPr/>
+        </p:nvSpPr>
+        <p:spPr bwMode="auto">
+          <a:xfrm>
+            <a:off x="416159" y="278281"/>
+            <a:ext cx="2778059" cy="307872"/>
+          </a:xfrm>
+          <a:prstGeom prst="rect">
+            <a:avLst/>
+          </a:prstGeom>
+          <a:noFill/>
+          <a:ln>
+            <a:noFill/>
+          </a:ln>
+          <a:extLst>
+            <a:ext uri="{909E8E84-426E-40DD-AFC4-6F175D3DCCD1}">
+              <a14:hiddenFill xmlns:a14="http://schemas.microsoft.com/office/drawing/2010/main">
+                <a:solidFill>
+                  <a:srgbClr val="FFFFFF"/>
+                </a:solidFill>
+              </a14:hiddenFill>
+            </a:ext>
+            <a:ext uri="{91240B29-F687-4F45-9708-019B960494DF}">
+              <a14:hiddenLine xmlns:a14="http://schemas.microsoft.com/office/drawing/2010/main" w="9525">
+                <a:solidFill>
+                  <a:srgbClr val="000000"/>
+                </a:solidFill>
+                <a:miter lim="800000"/>
+                <a:headEnd/>
+                <a:tailEnd/>
+              </a14:hiddenLine>
+            </a:ext>
+          </a:extLst>
+        </p:spPr>
+        <p:txBody>
+          <a:bodyPr wrap="square" lIns="0" tIns="0" rIns="0" bIns="0">
+            <a:spAutoFit/>
+          </a:bodyPr>
+          <a:lstStyle/>
+          <a:p>
+            <a:pPr>
+              <a:buFont typeface="Arial" pitchFamily="34" charset="0"/>
+              <a:buNone/>
+            </a:pPr>
+            <a:r>
+              <a:rPr lang="en-US" altLang="zh-CN" sz="2000" dirty="0">
+                <a:solidFill>
+                  <a:schemeClr val="accent1"/>
+                </a:solidFill>
+                <a:latin typeface="微软雅黑" pitchFamily="34" charset="-122"/>
+                <a:ea typeface="微软雅黑" pitchFamily="34" charset="-122"/>
+              </a:rPr>
+              <a:t>Web</a:t>
+            </a:r>
+            <a:r>
+              <a:rPr lang="zh-CN" altLang="en-US" sz="2000" dirty="0">
+                <a:solidFill>
+                  <a:schemeClr val="accent1"/>
+                </a:solidFill>
+                <a:latin typeface="微软雅黑" pitchFamily="34" charset="-122"/>
+                <a:ea typeface="微软雅黑" pitchFamily="34" charset="-122"/>
+              </a:rPr>
+              <a:t>基础</a:t>
+            </a:r>
+            <a:endParaRPr lang="en-US" altLang="zh-CN" sz="2000" dirty="0">
+              <a:solidFill>
+                <a:schemeClr val="accent1"/>
+              </a:solidFill>
+              <a:latin typeface="微软雅黑" pitchFamily="34" charset="-122"/>
+              <a:ea typeface="微软雅黑" pitchFamily="34" charset="-122"/>
+            </a:endParaRPr>
+          </a:p>
+        </p:txBody>
+      </p:sp>
+      <p:grpSp>
+        <p:nvGrpSpPr>
+          <p:cNvPr id="48" name="组合 47"/>
+          <p:cNvGrpSpPr/>
+          <p:nvPr/>
+        </p:nvGrpSpPr>
+        <p:grpSpPr>
+          <a:xfrm>
+            <a:off x="416158" y="699542"/>
+            <a:ext cx="899592" cy="56017"/>
+            <a:chOff x="0" y="2842590"/>
+            <a:chExt cx="7054752" cy="89199"/>
+          </a:xfrm>
+        </p:grpSpPr>
+        <p:sp>
+          <p:nvSpPr>
+            <p:cNvPr id="49" name="矩形 48"/>
+            <p:cNvSpPr/>
+            <p:nvPr/>
+          </p:nvSpPr>
+          <p:spPr>
+            <a:xfrm>
+              <a:off x="0" y="2842590"/>
+              <a:ext cx="1763688" cy="89199"/>
+            </a:xfrm>
+            <a:prstGeom prst="rect">
+              <a:avLst/>
+            </a:prstGeom>
+            <a:solidFill>
+              <a:schemeClr val="accent1"/>
+            </a:solidFill>
+            <a:ln>
+              <a:noFill/>
+            </a:ln>
+          </p:spPr>
+          <p:style>
+            <a:lnRef idx="2">
+              <a:schemeClr val="accent1">
+                <a:shade val="50000"/>
+              </a:schemeClr>
+            </a:lnRef>
+            <a:fillRef idx="1">
+              <a:schemeClr val="accent1"/>
+            </a:fillRef>
+            <a:effectRef idx="0">
+              <a:schemeClr val="accent1"/>
+            </a:effectRef>
+            <a:fontRef idx="minor">
+              <a:schemeClr val="lt1"/>
+            </a:fontRef>
+          </p:style>
+          <p:txBody>
+            <a:bodyPr rtlCol="0" anchor="ctr"/>
+            <a:lstStyle/>
+            <a:p>
+              <a:pPr algn="ctr"/>
+              <a:endParaRPr lang="zh-CN" altLang="en-US"/>
+            </a:p>
+          </p:txBody>
+        </p:sp>
+        <p:sp>
+          <p:nvSpPr>
+            <p:cNvPr id="50" name="矩形 49"/>
+            <p:cNvSpPr/>
+            <p:nvPr/>
+          </p:nvSpPr>
+          <p:spPr>
+            <a:xfrm>
+              <a:off x="1763688" y="2842590"/>
+              <a:ext cx="1763688" cy="89199"/>
+            </a:xfrm>
+            <a:prstGeom prst="rect">
+              <a:avLst/>
+            </a:prstGeom>
+            <a:solidFill>
+              <a:schemeClr val="accent2"/>
+            </a:solidFill>
+            <a:ln>
+              <a:noFill/>
+            </a:ln>
+          </p:spPr>
+          <p:style>
+            <a:lnRef idx="2">
+              <a:schemeClr val="accent1">
+                <a:shade val="50000"/>
+              </a:schemeClr>
+            </a:lnRef>
+            <a:fillRef idx="1">
+              <a:schemeClr val="accent1"/>
+            </a:fillRef>
+            <a:effectRef idx="0">
+              <a:schemeClr val="accent1"/>
+            </a:effectRef>
+            <a:fontRef idx="minor">
+              <a:schemeClr val="lt1"/>
+            </a:fontRef>
+          </p:style>
+          <p:txBody>
+            <a:bodyPr rtlCol="0" anchor="ctr"/>
+            <a:lstStyle/>
+            <a:p>
+              <a:pPr algn="ctr"/>
+              <a:endParaRPr lang="zh-CN" altLang="en-US"/>
+            </a:p>
+          </p:txBody>
+        </p:sp>
+        <p:sp>
+          <p:nvSpPr>
+            <p:cNvPr id="51" name="矩形 50"/>
+            <p:cNvSpPr/>
+            <p:nvPr/>
+          </p:nvSpPr>
+          <p:spPr>
+            <a:xfrm>
+              <a:off x="3527376" y="2842590"/>
+              <a:ext cx="1763688" cy="89199"/>
+            </a:xfrm>
+            <a:prstGeom prst="rect">
+              <a:avLst/>
+            </a:prstGeom>
+            <a:solidFill>
+              <a:schemeClr val="accent3"/>
+            </a:solidFill>
+            <a:ln>
+              <a:noFill/>
+            </a:ln>
+          </p:spPr>
+          <p:style>
+            <a:lnRef idx="2">
+              <a:schemeClr val="accent1">
+                <a:shade val="50000"/>
+              </a:schemeClr>
+            </a:lnRef>
+            <a:fillRef idx="1">
+              <a:schemeClr val="accent1"/>
+            </a:fillRef>
+            <a:effectRef idx="0">
+              <a:schemeClr val="accent1"/>
+            </a:effectRef>
+            <a:fontRef idx="minor">
+              <a:schemeClr val="lt1"/>
+            </a:fontRef>
+          </p:style>
+          <p:txBody>
+            <a:bodyPr rtlCol="0" anchor="ctr"/>
+            <a:lstStyle/>
+            <a:p>
+              <a:pPr algn="ctr"/>
+              <a:endParaRPr lang="zh-CN" altLang="en-US"/>
+            </a:p>
+          </p:txBody>
+        </p:sp>
+        <p:sp>
+          <p:nvSpPr>
+            <p:cNvPr id="52" name="矩形 51"/>
+            <p:cNvSpPr/>
+            <p:nvPr/>
+          </p:nvSpPr>
+          <p:spPr>
+            <a:xfrm>
+              <a:off x="5291064" y="2842590"/>
+              <a:ext cx="1763688" cy="89199"/>
+            </a:xfrm>
+            <a:prstGeom prst="rect">
+              <a:avLst/>
+            </a:prstGeom>
+            <a:solidFill>
+              <a:schemeClr val="accent4"/>
+            </a:solidFill>
+            <a:ln>
+              <a:noFill/>
+            </a:ln>
+          </p:spPr>
+          <p:style>
+            <a:lnRef idx="2">
+              <a:schemeClr val="accent1">
+                <a:shade val="50000"/>
+              </a:schemeClr>
+            </a:lnRef>
+            <a:fillRef idx="1">
+              <a:schemeClr val="accent1"/>
+            </a:fillRef>
+            <a:effectRef idx="0">
+              <a:schemeClr val="accent1"/>
+            </a:effectRef>
+            <a:fontRef idx="minor">
+              <a:schemeClr val="lt1"/>
+            </a:fontRef>
+          </p:style>
+          <p:txBody>
+            <a:bodyPr rtlCol="0" anchor="ctr"/>
+            <a:lstStyle/>
+            <a:p>
+              <a:pPr algn="ctr"/>
+              <a:endParaRPr lang="zh-CN" altLang="en-US"/>
+            </a:p>
+          </p:txBody>
+        </p:sp>
+      </p:grpSp>
+      <p:pic>
+        <p:nvPicPr>
+          <p:cNvPr id="1030" name="Picture 6">
+            <a:extLst>
+              <a:ext uri="{FF2B5EF4-FFF2-40B4-BE49-F238E27FC236}">
+                <a16:creationId xmlns:a16="http://schemas.microsoft.com/office/drawing/2014/main" id="{068427C5-C3A9-49FF-B433-766F1D17D1AE}"/>
               </a:ext>
             </a:extLst>
           </p:cNvPr>
@@ -5003,8 +6023,8 @@
         </p:blipFill>
         <p:spPr bwMode="auto">
           <a:xfrm>
-            <a:off x="1222907" y="692107"/>
-            <a:ext cx="6497111" cy="4451393"/>
+            <a:off x="0" y="947738"/>
+            <a:ext cx="9144000" cy="3248025"/>
           </a:xfrm>
           <a:prstGeom prst="rect">
             <a:avLst/>
@@ -5024,7 +6044,7 @@
     </p:spTree>
     <p:extLst>
       <p:ext uri="{BB962C8B-B14F-4D97-AF65-F5344CB8AC3E}">
-        <p14:creationId xmlns:p14="http://schemas.microsoft.com/office/powerpoint/2010/main" val="3410446550"/>
+        <p14:creationId xmlns:p14="http://schemas.microsoft.com/office/powerpoint/2010/main" val="2229135005"/>
       </p:ext>
     </p:extLst>
   </p:cSld>
